--- a/work/turibito.pptx
+++ b/work/turibito.pptx
@@ -112,6 +112,11 @@
       </a:defRPr>
     </a:lvl9pPr>
   </p:defaultTextStyle>
+  <p:extLst>
+    <p:ext uri="{EFAFB233-063F-42B5-8137-9DF3F51BA10A}">
+      <p15:sldGuideLst xmlns:p15="http://schemas.microsoft.com/office/powerpoint/2012/main"/>
+    </p:ext>
+  </p:extLst>
 </p:presentation>
 </file>
 
@@ -6994,8 +6999,8 @@
         </p:blipFill>
         <p:spPr>
           <a:xfrm>
-            <a:off x="3135382" y="2105854"/>
-            <a:ext cx="6000750" cy="3600450"/>
+            <a:off x="1531868" y="1297470"/>
+            <a:ext cx="9003609" cy="5402165"/>
           </a:xfrm>
           <a:prstGeom prst="rect">
             <a:avLst/>
@@ -7779,6 +7784,92 @@
             <a:r>
               <a:rPr lang="ja-JP" altLang="en-US" dirty="0"/>
               <a:t>本当の魚を撮っていない！！</a:t>
+            </a:r>
+            <a:endParaRPr lang="en-US" altLang="ja-JP" dirty="0"/>
+          </a:p>
+          <a:p>
+            <a:r>
+              <a:rPr kumimoji="1" lang="en-US" altLang="ja-JP" dirty="0"/>
+              <a:t>IBM</a:t>
+            </a:r>
+            <a:r>
+              <a:rPr kumimoji="1" lang="ja-JP" altLang="en-US" dirty="0"/>
+              <a:t> へのデータ登録は２００件</a:t>
+            </a:r>
+            <a:r>
+              <a:rPr kumimoji="1" lang="en-US" altLang="ja-JP" dirty="0"/>
+              <a:t>/</a:t>
+            </a:r>
+            <a:r>
+              <a:rPr kumimoji="1" lang="ja-JP" altLang="en-US" dirty="0"/>
+              <a:t>日しかない・・</a:t>
+            </a:r>
+            <a:endParaRPr kumimoji="1" lang="en-US" altLang="ja-JP" dirty="0"/>
+          </a:p>
+          <a:p>
+            <a:pPr lvl="1"/>
+            <a:r>
+              <a:rPr lang="ja-JP" altLang="en-US" dirty="0"/>
+              <a:t>辞書登録を本気でやるならライセンス購入する必要がありますね・・</a:t>
+            </a:r>
+            <a:endParaRPr lang="en-US" altLang="ja-JP" dirty="0"/>
+          </a:p>
+          <a:p>
+            <a:r>
+              <a:rPr kumimoji="1" lang="en-US" altLang="ja-JP" dirty="0"/>
+              <a:t>Android</a:t>
+            </a:r>
+            <a:r>
+              <a:rPr kumimoji="1" lang="ja-JP" altLang="en-US" dirty="0"/>
+              <a:t>で写真を撮ったら２枚目が送られる？バグ？</a:t>
+            </a:r>
+            <a:endParaRPr kumimoji="1" lang="en-US" altLang="ja-JP" dirty="0"/>
+          </a:p>
+          <a:p>
+            <a:r>
+              <a:rPr kumimoji="1" lang="ja-JP" altLang="en-US" dirty="0"/>
+              <a:t>もっと</a:t>
+            </a:r>
+            <a:r>
+              <a:rPr lang="en-US" altLang="ja-JP" dirty="0"/>
+              <a:t>GUI</a:t>
+            </a:r>
+            <a:r>
+              <a:rPr lang="ja-JP" altLang="en-US" dirty="0"/>
+              <a:t>をリッチに・・</a:t>
+            </a:r>
+            <a:endParaRPr lang="en-US" altLang="ja-JP" dirty="0"/>
+          </a:p>
+          <a:p>
+            <a:r>
+              <a:rPr kumimoji="1" lang="en-US" altLang="ja-JP" dirty="0"/>
+              <a:t>Android</a:t>
+            </a:r>
+            <a:r>
+              <a:rPr kumimoji="1" lang="ja-JP" altLang="en-US" dirty="0"/>
+              <a:t>で送る写真のデータサイズが２</a:t>
+            </a:r>
+            <a:r>
+              <a:rPr kumimoji="1" lang="en-US" altLang="ja-JP" dirty="0"/>
+              <a:t>MB</a:t>
+            </a:r>
+            <a:r>
+              <a:rPr kumimoji="1" lang="ja-JP" altLang="en-US" dirty="0"/>
+              <a:t>を超えるとエラーになる</a:t>
+            </a:r>
+            <a:endParaRPr kumimoji="1" lang="en-US" altLang="ja-JP" dirty="0"/>
+          </a:p>
+          <a:p>
+            <a:r>
+              <a:rPr kumimoji="1" lang="ja-JP" altLang="en-US" dirty="0"/>
+              <a:t>釣魚図鑑にまだできていない</a:t>
+            </a:r>
+            <a:endParaRPr kumimoji="1" lang="en-US" altLang="ja-JP" dirty="0"/>
+          </a:p>
+          <a:p>
+            <a:r>
+              <a:rPr lang="ja-JP" altLang="en-US"/>
+              <a:t>本当は写真を撮った場所を登録したい</a:t>
             </a:r>
             <a:endParaRPr kumimoji="1" lang="ja-JP" altLang="en-US" dirty="0"/>
           </a:p>
